--- a/MSSA Project .pptx
+++ b/MSSA Project .pptx
@@ -5,7 +5,7 @@
     <p:sldMasterId id="2147483942" r:id="rId1"/>
   </p:sldMasterIdLst>
   <p:notesMasterIdLst>
-    <p:notesMasterId r:id="rId22"/>
+    <p:notesMasterId r:id="rId23"/>
   </p:notesMasterIdLst>
   <p:sldIdLst>
     <p:sldId id="256" r:id="rId2"/>
@@ -28,6 +28,7 @@
     <p:sldId id="275" r:id="rId19"/>
     <p:sldId id="276" r:id="rId20"/>
     <p:sldId id="277" r:id="rId21"/>
+    <p:sldId id="278" r:id="rId22"/>
   </p:sldIdLst>
   <p:sldSz cx="12192000" cy="6858000"/>
   <p:notesSz cx="6858000" cy="9144000"/>
@@ -216,7 +217,7 @@
           <a:p>
             <a:fld id="{647A8265-057D-42A8-8E02-1A7AB5B151FD}" type="datetimeFigureOut">
               <a:rPr lang="en-US" smtClean="0"/>
-              <a:t>4/15/2019</a:t>
+              <a:t>5/14/2019</a:t>
             </a:fld>
             <a:endParaRPr lang="en-US"/>
           </a:p>
@@ -1976,7 +1977,7 @@
           <a:p>
             <a:fld id="{B7823908-CE33-492A-BCF3-7E100598D08E}" type="datetimeFigureOut">
               <a:rPr lang="en-US" smtClean="0"/>
-              <a:t>4/15/2019</a:t>
+              <a:t>5/14/2019</a:t>
             </a:fld>
             <a:endParaRPr lang="en-US"/>
           </a:p>
@@ -2160,7 +2161,7 @@
           <a:p>
             <a:fld id="{B7823908-CE33-492A-BCF3-7E100598D08E}" type="datetimeFigureOut">
               <a:rPr lang="en-US" smtClean="0"/>
-              <a:t>4/15/2019</a:t>
+              <a:t>5/14/2019</a:t>
             </a:fld>
             <a:endParaRPr lang="en-US"/>
           </a:p>
@@ -2340,7 +2341,7 @@
           <a:p>
             <a:fld id="{B7823908-CE33-492A-BCF3-7E100598D08E}" type="datetimeFigureOut">
               <a:rPr lang="en-US" smtClean="0"/>
-              <a:t>4/15/2019</a:t>
+              <a:t>5/14/2019</a:t>
             </a:fld>
             <a:endParaRPr lang="en-US"/>
           </a:p>
@@ -2515,7 +2516,7 @@
           <a:p>
             <a:fld id="{B7823908-CE33-492A-BCF3-7E100598D08E}" type="datetimeFigureOut">
               <a:rPr lang="en-US" smtClean="0"/>
-              <a:t>4/15/2019</a:t>
+              <a:t>5/14/2019</a:t>
             </a:fld>
             <a:endParaRPr lang="en-US"/>
           </a:p>
@@ -2828,7 +2829,7 @@
           <a:p>
             <a:fld id="{B7823908-CE33-492A-BCF3-7E100598D08E}" type="datetimeFigureOut">
               <a:rPr lang="en-US" smtClean="0"/>
-              <a:t>4/15/2019</a:t>
+              <a:t>5/14/2019</a:t>
             </a:fld>
             <a:endParaRPr lang="en-US"/>
           </a:p>
@@ -3219,7 +3220,7 @@
           <a:p>
             <a:fld id="{B7823908-CE33-492A-BCF3-7E100598D08E}" type="datetimeFigureOut">
               <a:rPr lang="en-US" smtClean="0"/>
-              <a:t>4/15/2019</a:t>
+              <a:t>5/14/2019</a:t>
             </a:fld>
             <a:endParaRPr lang="en-US"/>
           </a:p>
@@ -3653,7 +3654,7 @@
           <a:p>
             <a:fld id="{B7823908-CE33-492A-BCF3-7E100598D08E}" type="datetimeFigureOut">
               <a:rPr lang="en-US" smtClean="0"/>
-              <a:t>4/15/2019</a:t>
+              <a:t>5/14/2019</a:t>
             </a:fld>
             <a:endParaRPr lang="en-US"/>
           </a:p>
@@ -3771,7 +3772,7 @@
           <a:p>
             <a:fld id="{B7823908-CE33-492A-BCF3-7E100598D08E}" type="datetimeFigureOut">
               <a:rPr lang="en-US" smtClean="0"/>
-              <a:t>4/15/2019</a:t>
+              <a:t>5/14/2019</a:t>
             </a:fld>
             <a:endParaRPr lang="en-US"/>
           </a:p>
@@ -3866,7 +3867,7 @@
           <a:p>
             <a:fld id="{B7823908-CE33-492A-BCF3-7E100598D08E}" type="datetimeFigureOut">
               <a:rPr lang="en-US" smtClean="0"/>
-              <a:t>4/15/2019</a:t>
+              <a:t>5/14/2019</a:t>
             </a:fld>
             <a:endParaRPr lang="en-US"/>
           </a:p>
@@ -4216,7 +4217,7 @@
           <a:p>
             <a:fld id="{B7823908-CE33-492A-BCF3-7E100598D08E}" type="datetimeFigureOut">
               <a:rPr lang="en-US" smtClean="0"/>
-              <a:t>4/15/2019</a:t>
+              <a:t>5/14/2019</a:t>
             </a:fld>
             <a:endParaRPr lang="en-US"/>
           </a:p>
@@ -4641,7 +4642,7 @@
           <a:p>
             <a:fld id="{B7823908-CE33-492A-BCF3-7E100598D08E}" type="datetimeFigureOut">
               <a:rPr lang="en-US" smtClean="0"/>
-              <a:t>4/15/2019</a:t>
+              <a:t>5/14/2019</a:t>
             </a:fld>
             <a:endParaRPr lang="en-US"/>
           </a:p>
@@ -4922,7 +4923,7 @@
           <a:p>
             <a:fld id="{B7823908-CE33-492A-BCF3-7E100598D08E}" type="datetimeFigureOut">
               <a:rPr lang="en-US" smtClean="0"/>
-              <a:t>4/15/2019</a:t>
+              <a:t>5/14/2019</a:t>
             </a:fld>
             <a:endParaRPr lang="en-US"/>
           </a:p>
@@ -8071,6 +8072,165 @@
     <p:extLst>
       <p:ext uri="{BB962C8B-B14F-4D97-AF65-F5344CB8AC3E}">
         <p14:creationId xmlns:p14="http://schemas.microsoft.com/office/powerpoint/2010/main" val="1660412624"/>
+      </p:ext>
+    </p:extLst>
+  </p:cSld>
+  <p:clrMapOvr>
+    <a:masterClrMapping/>
+  </p:clrMapOvr>
+</p:sld>
+</file>
+
+<file path=ppt/slides/slide21.xml><?xml version="1.0" encoding="utf-8"?>
+<p:sld xmlns:a="http://schemas.openxmlformats.org/drawingml/2006/main" xmlns:r="http://schemas.openxmlformats.org/officeDocument/2006/relationships" xmlns:p="http://schemas.openxmlformats.org/presentationml/2006/main">
+  <p:cSld>
+    <p:spTree>
+      <p:nvGrpSpPr>
+        <p:cNvPr id="1" name=""/>
+        <p:cNvGrpSpPr/>
+        <p:nvPr/>
+      </p:nvGrpSpPr>
+      <p:grpSpPr>
+        <a:xfrm>
+          <a:off x="0" y="0"/>
+          <a:ext cx="0" cy="0"/>
+          <a:chOff x="0" y="0"/>
+          <a:chExt cx="0" cy="0"/>
+        </a:xfrm>
+      </p:grpSpPr>
+      <p:sp>
+        <p:nvSpPr>
+          <p:cNvPr id="2" name="Title 1"/>
+          <p:cNvSpPr>
+            <a:spLocks noGrp="1"/>
+          </p:cNvSpPr>
+          <p:nvPr>
+            <p:ph type="title"/>
+          </p:nvPr>
+        </p:nvSpPr>
+        <p:spPr/>
+        <p:txBody>
+          <a:bodyPr/>
+          <a:lstStyle/>
+          <a:p>
+            <a:endParaRPr lang="en-US"/>
+          </a:p>
+        </p:txBody>
+      </p:sp>
+      <p:sp>
+        <p:nvSpPr>
+          <p:cNvPr id="3" name="Content Placeholder 2"/>
+          <p:cNvSpPr>
+            <a:spLocks noGrp="1"/>
+          </p:cNvSpPr>
+          <p:nvPr>
+            <p:ph idx="1"/>
+          </p:nvPr>
+        </p:nvSpPr>
+        <p:spPr/>
+        <p:txBody>
+          <a:bodyPr>
+            <a:normAutofit fontScale="92500" lnSpcReduction="20000"/>
+          </a:bodyPr>
+          <a:lstStyle/>
+          <a:p>
+            <a:r>
+              <a:rPr lang="en-US" dirty="0"/>
+              <a:t>Week 18</a:t>
+            </a:r>
+          </a:p>
+          <a:p>
+            <a:r>
+              <a:rPr lang="en-US" dirty="0"/>
+              <a:t>Product </a:t>
+            </a:r>
+            <a:r>
+              <a:rPr lang="en-US" u="sng" dirty="0"/>
+              <a:t>Release</a:t>
+            </a:r>
+            <a:r>
+              <a:rPr lang="en-US" dirty="0"/>
+              <a:t> / Project </a:t>
+            </a:r>
+            <a:r>
+              <a:rPr lang="en-US" i="1" u="sng" dirty="0"/>
+              <a:t>Presentation</a:t>
+            </a:r>
+            <a:endParaRPr lang="en-US" dirty="0"/>
+          </a:p>
+          <a:p>
+            <a:r>
+              <a:rPr lang="en-US" dirty="0"/>
+              <a:t> </a:t>
+            </a:r>
+          </a:p>
+          <a:p>
+            <a:r>
+              <a:rPr lang="en-US" dirty="0"/>
+              <a:t>Prepare and present your project to include:</a:t>
+            </a:r>
+          </a:p>
+          <a:p>
+            <a:r>
+              <a:rPr lang="en-US" dirty="0"/>
+              <a:t>each phase of the SDLC and the project artifacts (design documents, requirements trace, test reports...)</a:t>
+            </a:r>
+          </a:p>
+          <a:p>
+            <a:r>
+              <a:rPr lang="en-US" dirty="0"/>
+              <a:t>code and architecture walk-through</a:t>
+            </a:r>
+          </a:p>
+          <a:p>
+            <a:r>
+              <a:rPr lang="en-US" dirty="0"/>
+              <a:t>product demonstration</a:t>
+            </a:r>
+          </a:p>
+          <a:p>
+            <a:r>
+              <a:rPr lang="en-US" dirty="0"/>
+              <a:t>lessons learned:</a:t>
+            </a:r>
+          </a:p>
+          <a:p>
+            <a:pPr lvl="1"/>
+            <a:r>
+              <a:rPr lang="en-US" dirty="0"/>
+              <a:t>what did you do right?</a:t>
+            </a:r>
+          </a:p>
+          <a:p>
+            <a:pPr lvl="1"/>
+            <a:r>
+              <a:rPr lang="en-US" dirty="0"/>
+              <a:t>what did you do wrong?</a:t>
+            </a:r>
+          </a:p>
+          <a:p>
+            <a:pPr lvl="1"/>
+            <a:r>
+              <a:rPr lang="en-US" dirty="0"/>
+              <a:t>where were you lucky?</a:t>
+            </a:r>
+          </a:p>
+          <a:p>
+            <a:pPr lvl="1"/>
+            <a:r>
+              <a:rPr lang="en-US"/>
+              <a:t>what would you change?</a:t>
+            </a:r>
+          </a:p>
+          <a:p>
+            <a:endParaRPr lang="en-US"/>
+          </a:p>
+        </p:txBody>
+      </p:sp>
+    </p:spTree>
+    <p:extLst>
+      <p:ext uri="{BB962C8B-B14F-4D97-AF65-F5344CB8AC3E}">
+        <p14:creationId xmlns:p14="http://schemas.microsoft.com/office/powerpoint/2010/main" val="1031252584"/>
       </p:ext>
     </p:extLst>
   </p:cSld>
